--- a/BIARD_Sunny_2_kanban_052024.pptx
+++ b/BIARD_Sunny_2_kanban_052024.pptx
@@ -289,7 +289,7 @@
           <a:p>
             <a:fld id="{62FDA9B3-114F-43EA-B50A-640FA1EBB748}" type="datetimeFigureOut">
               <a:rPr lang="fr-FR" smtClean="0"/>
-              <a:t>20/03/2024</a:t>
+              <a:t>06/05/2024</a:t>
             </a:fld>
             <a:endParaRPr lang="fr-FR"/>
           </a:p>
@@ -619,7 +619,7 @@
           <a:p>
             <a:fld id="{62FDA9B3-114F-43EA-B50A-640FA1EBB748}" type="datetimeFigureOut">
               <a:rPr lang="fr-FR" smtClean="0"/>
-              <a:t>20/03/2024</a:t>
+              <a:t>06/05/2024</a:t>
             </a:fld>
             <a:endParaRPr lang="fr-FR"/>
           </a:p>
@@ -799,7 +799,7 @@
           <a:p>
             <a:fld id="{62FDA9B3-114F-43EA-B50A-640FA1EBB748}" type="datetimeFigureOut">
               <a:rPr lang="fr-FR" smtClean="0"/>
-              <a:t>20/03/2024</a:t>
+              <a:t>06/05/2024</a:t>
             </a:fld>
             <a:endParaRPr lang="fr-FR"/>
           </a:p>
@@ -969,7 +969,7 @@
           <a:p>
             <a:fld id="{62FDA9B3-114F-43EA-B50A-640FA1EBB748}" type="datetimeFigureOut">
               <a:rPr lang="fr-FR" smtClean="0"/>
-              <a:t>20/03/2024</a:t>
+              <a:t>06/05/2024</a:t>
             </a:fld>
             <a:endParaRPr lang="fr-FR"/>
           </a:p>
@@ -1246,7 +1246,7 @@
           <a:p>
             <a:fld id="{62FDA9B3-114F-43EA-B50A-640FA1EBB748}" type="datetimeFigureOut">
               <a:rPr lang="fr-FR" smtClean="0"/>
-              <a:t>20/03/2024</a:t>
+              <a:t>06/05/2024</a:t>
             </a:fld>
             <a:endParaRPr lang="fr-FR"/>
           </a:p>
@@ -1640,7 +1640,7 @@
           <a:p>
             <a:fld id="{62FDA9B3-114F-43EA-B50A-640FA1EBB748}" type="datetimeFigureOut">
               <a:rPr lang="fr-FR" smtClean="0"/>
-              <a:t>20/03/2024</a:t>
+              <a:t>06/05/2024</a:t>
             </a:fld>
             <a:endParaRPr lang="fr-FR"/>
           </a:p>
@@ -2117,7 +2117,7 @@
           <a:p>
             <a:fld id="{62FDA9B3-114F-43EA-B50A-640FA1EBB748}" type="datetimeFigureOut">
               <a:rPr lang="fr-FR" smtClean="0"/>
-              <a:t>20/03/2024</a:t>
+              <a:t>06/05/2024</a:t>
             </a:fld>
             <a:endParaRPr lang="fr-FR"/>
           </a:p>
@@ -2235,7 +2235,7 @@
           <a:p>
             <a:fld id="{62FDA9B3-114F-43EA-B50A-640FA1EBB748}" type="datetimeFigureOut">
               <a:rPr lang="fr-FR" smtClean="0"/>
-              <a:t>20/03/2024</a:t>
+              <a:t>06/05/2024</a:t>
             </a:fld>
             <a:endParaRPr lang="fr-FR"/>
           </a:p>
@@ -2330,7 +2330,7 @@
           <a:p>
             <a:fld id="{62FDA9B3-114F-43EA-B50A-640FA1EBB748}" type="datetimeFigureOut">
               <a:rPr lang="fr-FR" smtClean="0"/>
-              <a:t>20/03/2024</a:t>
+              <a:t>06/05/2024</a:t>
             </a:fld>
             <a:endParaRPr lang="fr-FR"/>
           </a:p>
@@ -2676,7 +2676,7 @@
           <a:p>
             <a:fld id="{62FDA9B3-114F-43EA-B50A-640FA1EBB748}" type="datetimeFigureOut">
               <a:rPr lang="fr-FR" smtClean="0"/>
-              <a:t>20/03/2024</a:t>
+              <a:t>06/05/2024</a:t>
             </a:fld>
             <a:endParaRPr lang="fr-FR"/>
           </a:p>
@@ -3064,7 +3064,7 @@
           <a:p>
             <a:fld id="{62FDA9B3-114F-43EA-B50A-640FA1EBB748}" type="datetimeFigureOut">
               <a:rPr lang="fr-FR" smtClean="0"/>
-              <a:t>20/03/2024</a:t>
+              <a:t>06/05/2024</a:t>
             </a:fld>
             <a:endParaRPr lang="fr-FR"/>
           </a:p>
@@ -3342,7 +3342,7 @@
           <a:p>
             <a:fld id="{62FDA9B3-114F-43EA-B50A-640FA1EBB748}" type="datetimeFigureOut">
               <a:rPr lang="fr-FR" smtClean="0"/>
-              <a:t>20/03/2024</a:t>
+              <a:t>06/05/2024</a:t>
             </a:fld>
             <a:endParaRPr lang="fr-FR"/>
           </a:p>
@@ -3881,8 +3881,12 @@
           <a:lstStyle/>
           <a:p>
             <a:r>
+              <a:rPr lang="fr-FR" sz="4800"/>
+              <a:t>Présentation </a:t>
+            </a:r>
+            <a:r>
               <a:rPr lang="fr-FR" sz="4800" dirty="0"/>
-              <a:t>Présentation de l’outil de gestion de projet</a:t>
+              <a:t>de l’outil de gestion de projet</a:t>
             </a:r>
           </a:p>
         </p:txBody>
